--- a/Лекции/Управление ролями.pptx
+++ b/Лекции/Управление ролями.pptx
@@ -250,7 +250,7 @@
           <a:p>
             <a:fld id="{D7450A98-DF28-4F35-851F-75CEF58DE747}" type="datetimeFigureOut">
               <a:rPr lang="ru-RU" smtClean="0"/>
-              <a:t>23.12.2021</a:t>
+              <a:t>25.12.2021</a:t>
             </a:fld>
             <a:endParaRPr lang="ru-RU"/>
           </a:p>
@@ -8213,7 +8213,7 @@
           <a:p>
             <a:fld id="{BE71F78B-1666-48B7-B4D0-C485A5396A65}" type="datetimeFigureOut">
               <a:rPr lang="ru-RU" smtClean="0"/>
-              <a:t>23.12.2021</a:t>
+              <a:t>25.12.2021</a:t>
             </a:fld>
             <a:endParaRPr lang="ru-RU"/>
           </a:p>
@@ -8383,7 +8383,7 @@
           <a:p>
             <a:fld id="{BE71F78B-1666-48B7-B4D0-C485A5396A65}" type="datetimeFigureOut">
               <a:rPr lang="ru-RU" smtClean="0"/>
-              <a:t>23.12.2021</a:t>
+              <a:t>25.12.2021</a:t>
             </a:fld>
             <a:endParaRPr lang="ru-RU"/>
           </a:p>
@@ -8563,7 +8563,7 @@
           <a:p>
             <a:fld id="{BE71F78B-1666-48B7-B4D0-C485A5396A65}" type="datetimeFigureOut">
               <a:rPr lang="ru-RU" smtClean="0"/>
-              <a:t>23.12.2021</a:t>
+              <a:t>25.12.2021</a:t>
             </a:fld>
             <a:endParaRPr lang="ru-RU"/>
           </a:p>
@@ -8733,7 +8733,7 @@
           <a:p>
             <a:fld id="{BE71F78B-1666-48B7-B4D0-C485A5396A65}" type="datetimeFigureOut">
               <a:rPr lang="ru-RU" smtClean="0"/>
-              <a:t>23.12.2021</a:t>
+              <a:t>25.12.2021</a:t>
             </a:fld>
             <a:endParaRPr lang="ru-RU"/>
           </a:p>
@@ -8979,7 +8979,7 @@
           <a:p>
             <a:fld id="{BE71F78B-1666-48B7-B4D0-C485A5396A65}" type="datetimeFigureOut">
               <a:rPr lang="ru-RU" smtClean="0"/>
-              <a:t>23.12.2021</a:t>
+              <a:t>25.12.2021</a:t>
             </a:fld>
             <a:endParaRPr lang="ru-RU"/>
           </a:p>
@@ -9211,7 +9211,7 @@
           <a:p>
             <a:fld id="{BE71F78B-1666-48B7-B4D0-C485A5396A65}" type="datetimeFigureOut">
               <a:rPr lang="ru-RU" smtClean="0"/>
-              <a:t>23.12.2021</a:t>
+              <a:t>25.12.2021</a:t>
             </a:fld>
             <a:endParaRPr lang="ru-RU"/>
           </a:p>
@@ -9578,7 +9578,7 @@
           <a:p>
             <a:fld id="{BE71F78B-1666-48B7-B4D0-C485A5396A65}" type="datetimeFigureOut">
               <a:rPr lang="ru-RU" smtClean="0"/>
-              <a:t>23.12.2021</a:t>
+              <a:t>25.12.2021</a:t>
             </a:fld>
             <a:endParaRPr lang="ru-RU"/>
           </a:p>
@@ -9696,7 +9696,7 @@
           <a:p>
             <a:fld id="{BE71F78B-1666-48B7-B4D0-C485A5396A65}" type="datetimeFigureOut">
               <a:rPr lang="ru-RU" smtClean="0"/>
-              <a:t>23.12.2021</a:t>
+              <a:t>25.12.2021</a:t>
             </a:fld>
             <a:endParaRPr lang="ru-RU"/>
           </a:p>
@@ -9791,7 +9791,7 @@
           <a:p>
             <a:fld id="{BE71F78B-1666-48B7-B4D0-C485A5396A65}" type="datetimeFigureOut">
               <a:rPr lang="ru-RU" smtClean="0"/>
-              <a:t>23.12.2021</a:t>
+              <a:t>25.12.2021</a:t>
             </a:fld>
             <a:endParaRPr lang="ru-RU"/>
           </a:p>
@@ -10068,7 +10068,7 @@
           <a:p>
             <a:fld id="{BE71F78B-1666-48B7-B4D0-C485A5396A65}" type="datetimeFigureOut">
               <a:rPr lang="ru-RU" smtClean="0"/>
-              <a:t>23.12.2021</a:t>
+              <a:t>25.12.2021</a:t>
             </a:fld>
             <a:endParaRPr lang="ru-RU"/>
           </a:p>
@@ -10321,7 +10321,7 @@
           <a:p>
             <a:fld id="{BE71F78B-1666-48B7-B4D0-C485A5396A65}" type="datetimeFigureOut">
               <a:rPr lang="ru-RU" smtClean="0"/>
-              <a:t>23.12.2021</a:t>
+              <a:t>25.12.2021</a:t>
             </a:fld>
             <a:endParaRPr lang="ru-RU"/>
           </a:p>
@@ -10534,7 +10534,7 @@
           <a:p>
             <a:fld id="{BE71F78B-1666-48B7-B4D0-C485A5396A65}" type="datetimeFigureOut">
               <a:rPr lang="ru-RU" smtClean="0"/>
-              <a:t>23.12.2021</a:t>
+              <a:t>25.12.2021</a:t>
             </a:fld>
             <a:endParaRPr lang="ru-RU"/>
           </a:p>
@@ -15901,7 +15901,7 @@
               <a:t>.</a:t>
             </a:r>
             <a:r>
-              <a:rPr lang="en-US" smtClean="0">
+              <a:rPr lang="en-US" dirty="0" smtClean="0">
                 <a:solidFill>
                   <a:srgbClr val="444444"/>
                 </a:solidFill>
@@ -15911,7 +15911,7 @@
               </a:rPr>
               <a:t> </a:t>
             </a:r>
-            <a:endParaRPr lang="ru-RU" smtClean="0">
+            <a:endParaRPr lang="ru-RU" dirty="0" smtClean="0">
               <a:solidFill>
                 <a:srgbClr val="444444"/>
               </a:solidFill>
@@ -15998,14 +15998,10 @@
             </a:pPr>
             <a:r>
               <a:rPr lang="ru-RU" sz="4000" dirty="0" smtClean="0"/>
-              <a:t>Что нужно чтобы найти </a:t>
-            </a:r>
-            <a:r>
-              <a:rPr lang="ru-RU" sz="4000" smtClean="0"/>
-              <a:t>владельцев активов</a:t>
-            </a:r>
-            <a:r>
-              <a:rPr lang="en-US" sz="4000" smtClean="0"/>
+              <a:t>Что нужно чтобы найти владельцев активов</a:t>
+            </a:r>
+            <a:r>
+              <a:rPr lang="en-US" sz="4000" dirty="0" smtClean="0"/>
               <a:t>?</a:t>
             </a:r>
             <a:endParaRPr lang="ru-RU" sz="4000" dirty="0"/>
@@ -18011,14 +18007,10 @@
             </a:pPr>
             <a:r>
               <a:rPr lang="ru-RU" sz="4000" dirty="0" smtClean="0"/>
-              <a:t>Как </a:t>
-            </a:r>
-            <a:r>
-              <a:rPr lang="ru-RU" sz="4000" smtClean="0"/>
-              <a:t>формируется роль</a:t>
-            </a:r>
-            <a:r>
-              <a:rPr lang="en-US" sz="4000" smtClean="0"/>
+              <a:t>Как формируется роль</a:t>
+            </a:r>
+            <a:r>
+              <a:rPr lang="en-US" sz="4000" dirty="0" smtClean="0"/>
               <a:t>?</a:t>
             </a:r>
             <a:endParaRPr lang="ru-RU" sz="4000" dirty="0"/>
@@ -19493,7 +19485,7 @@
           <a:lstStyle/>
           <a:p>
             <a:r>
-              <a:rPr lang="ru-RU" smtClean="0">
+              <a:rPr lang="ru-RU" dirty="0" smtClean="0">
                 <a:latin typeface="Tahoma"/>
                 <a:ea typeface="Tahoma"/>
                 <a:cs typeface="Tahoma"/>
@@ -19502,13 +19494,31 @@
               <a:t>Стандарт </a:t>
             </a:r>
             <a:r>
-              <a:rPr lang="en-US" smtClean="0">
+              <a:rPr lang="en-US" dirty="0" smtClean="0">
                 <a:latin typeface="Tahoma"/>
                 <a:ea typeface="Tahoma"/>
                 <a:cs typeface="Tahoma"/>
                 <a:sym typeface="Tahoma"/>
               </a:rPr>
-              <a:t>Role-based access cobtrol (RBAC)</a:t>
+              <a:t>Role-based access </a:t>
+            </a:r>
+            <a:r>
+              <a:rPr lang="en-US" dirty="0" smtClean="0">
+                <a:latin typeface="Tahoma"/>
+                <a:ea typeface="Tahoma"/>
+                <a:cs typeface="Tahoma"/>
+                <a:sym typeface="Tahoma"/>
+              </a:rPr>
+              <a:t>control </a:t>
+            </a:r>
+            <a:r>
+              <a:rPr lang="en-US" dirty="0" smtClean="0">
+                <a:latin typeface="Tahoma"/>
+                <a:ea typeface="Tahoma"/>
+                <a:cs typeface="Tahoma"/>
+                <a:sym typeface="Tahoma"/>
+              </a:rPr>
+              <a:t>(RBAC)</a:t>
             </a:r>
             <a:endParaRPr lang="ru-RU" dirty="0"/>
           </a:p>
@@ -20035,22 +20045,13 @@
           <a:lstStyle/>
           <a:p>
             <a:r>
-              <a:rPr lang="en-US" smtClean="0">
+              <a:rPr lang="en-US" dirty="0" smtClean="0">
                 <a:latin typeface="Tahoma"/>
                 <a:ea typeface="Tahoma"/>
                 <a:cs typeface="Tahoma"/>
                 <a:sym typeface="Tahoma"/>
               </a:rPr>
               <a:t>RBAC. </a:t>
-            </a:r>
-            <a:r>
-              <a:rPr lang="ru-RU" smtClean="0">
-                <a:latin typeface="Tahoma"/>
-                <a:ea typeface="Tahoma"/>
-                <a:cs typeface="Tahoma"/>
-                <a:sym typeface="Tahoma"/>
-              </a:rPr>
-              <a:t>Иерархия </a:t>
             </a:r>
             <a:r>
               <a:rPr lang="ru-RU" dirty="0" smtClean="0">
@@ -20059,7 +20060,7 @@
                 <a:cs typeface="Tahoma"/>
                 <a:sym typeface="Tahoma"/>
               </a:rPr>
-              <a:t>ролей</a:t>
+              <a:t>Иерархия ролей</a:t>
             </a:r>
             <a:endParaRPr lang="ru-RU" dirty="0"/>
           </a:p>
@@ -20608,7 +20609,7 @@
           <a:lstStyle/>
           <a:p>
             <a:r>
-              <a:rPr lang="en-US" smtClean="0">
+              <a:rPr lang="en-US" dirty="0" smtClean="0">
                 <a:latin typeface="Tahoma"/>
                 <a:ea typeface="Tahoma"/>
                 <a:cs typeface="Tahoma"/>
@@ -20617,7 +20618,7 @@
               <a:t>RBAC. </a:t>
             </a:r>
             <a:r>
-              <a:rPr lang="ru-RU" smtClean="0">
+              <a:rPr lang="ru-RU" dirty="0" smtClean="0">
                 <a:latin typeface="Tahoma"/>
                 <a:ea typeface="Tahoma"/>
                 <a:cs typeface="Tahoma"/>
@@ -26266,7 +26267,7 @@
           <a:graphicData uri="http://schemas.openxmlformats.org/presentationml/2006/ole">
             <mc:AlternateContent xmlns:mc="http://schemas.openxmlformats.org/markup-compatibility/2006">
               <mc:Choice xmlns:v="urn:schemas-microsoft-com:vml" Requires="v">
-                <p:oleObj spid="_x0000_s10246" name="Visio" r:id="rId4" imgW="1076482" imgH="3848127" progId="Visio.Drawing.15">
+                <p:oleObj spid="_x0000_s10248" name="Visio" r:id="rId4" imgW="1076482" imgH="3848127" progId="Visio.Drawing.15">
                   <p:embed/>
                 </p:oleObj>
               </mc:Choice>
@@ -27269,7 +27270,7 @@
           <a:graphicData uri="http://schemas.openxmlformats.org/presentationml/2006/ole">
             <mc:AlternateContent xmlns:mc="http://schemas.openxmlformats.org/markup-compatibility/2006">
               <mc:Choice xmlns:v="urn:schemas-microsoft-com:vml" Requires="v">
-                <p:oleObj spid="_x0000_s11269" name="Visio" r:id="rId4" imgW="1076482" imgH="3848127" progId="Visio.Drawing.15">
+                <p:oleObj spid="_x0000_s11271" name="Visio" r:id="rId4" imgW="1076482" imgH="3848127" progId="Visio.Drawing.15">
                   <p:embed/>
                 </p:oleObj>
               </mc:Choice>
@@ -30873,12 +30874,6 @@
               </a:rPr>
               <a:t>фактическая матрица назначения транзакций пользователям</a:t>
             </a:r>
-            <a:endParaRPr lang="ru-RU" altLang="ru-RU" sz="1800" dirty="0" smtClean="0">
-              <a:latin typeface="Tahoma" panose="020B0604030504040204" pitchFamily="34" charset="0"/>
-              <a:ea typeface="Tahoma" panose="020B0604030504040204" pitchFamily="34" charset="0"/>
-              <a:cs typeface="Tahoma" panose="020B0604030504040204" pitchFamily="34" charset="0"/>
-              <a:sym typeface="Symbol" panose="05050102010706020507" pitchFamily="18" charset="2"/>
-            </a:endParaRPr>
           </a:p>
           <a:p>
             <a:pPr eaLnBrk="1" hangingPunct="1">
@@ -33942,11 +33937,6 @@
               </a:rPr>
               <a:t>Корректировка фактически назначенных транзакций (аттестация прав доступа)</a:t>
             </a:r>
-            <a:endParaRPr lang="ru-RU" sz="2400" dirty="0" smtClean="0">
-              <a:latin typeface="Tahoma" panose="020B0604030504040204" pitchFamily="34" charset="0"/>
-              <a:ea typeface="Tahoma" panose="020B0604030504040204" pitchFamily="34" charset="0"/>
-              <a:cs typeface="Tahoma" panose="020B0604030504040204" pitchFamily="34" charset="0"/>
-            </a:endParaRPr>
           </a:p>
         </p:txBody>
       </p:sp>
